--- a/scratchClientTutorial/UK---English/UK - 4 - scratchCl Expert Tutorial.pptx
+++ b/scratchClientTutorial/UK---English/UK - 4 - scratchCl Expert Tutorial.pptx
@@ -5,7 +5,7 @@
     <p:sldMasterId id="2147483672" r:id="rId1"/>
   </p:sldMasterIdLst>
   <p:notesMasterIdLst>
-    <p:notesMasterId r:id="rId39"/>
+    <p:notesMasterId r:id="rId38"/>
   </p:notesMasterIdLst>
   <p:sldIdLst>
     <p:sldId id="302" r:id="rId2"/>
@@ -37,14 +37,13 @@
     <p:sldId id="438" r:id="rId28"/>
     <p:sldId id="439" r:id="rId29"/>
     <p:sldId id="441" r:id="rId30"/>
-    <p:sldId id="442" r:id="rId31"/>
-    <p:sldId id="378" r:id="rId32"/>
-    <p:sldId id="339" r:id="rId33"/>
-    <p:sldId id="328" r:id="rId34"/>
-    <p:sldId id="459" r:id="rId35"/>
-    <p:sldId id="340" r:id="rId36"/>
-    <p:sldId id="341" r:id="rId37"/>
-    <p:sldId id="333" r:id="rId38"/>
+    <p:sldId id="378" r:id="rId31"/>
+    <p:sldId id="339" r:id="rId32"/>
+    <p:sldId id="328" r:id="rId33"/>
+    <p:sldId id="459" r:id="rId34"/>
+    <p:sldId id="340" r:id="rId35"/>
+    <p:sldId id="341" r:id="rId36"/>
+    <p:sldId id="333" r:id="rId37"/>
   </p:sldIdLst>
   <p:sldSz cx="9144000" cy="5143500" type="screen16x9"/>
   <p:notesSz cx="6858000" cy="9144000"/>
@@ -235,7 +234,7 @@
             <a:fld id="{DB6A203D-5BB1-439B-9A8B-0C4974EC0C08}" type="datetimeFigureOut">
               <a:rPr lang="nl-NL" smtClean="0"/>
               <a:pPr/>
-              <a:t>22-2-2018</a:t>
+              <a:t>2-9-2018</a:t>
             </a:fld>
             <a:endParaRPr lang="nl-NL"/>
           </a:p>
@@ -2701,7 +2700,7 @@
             <a:fld id="{DD9ECD2A-2AC8-46C2-8FC7-36BC96A5D084}" type="slidenum">
               <a:rPr lang="nl-NL" smtClean="0"/>
               <a:pPr/>
-              <a:t>33</a:t>
+              <a:t>34</a:t>
             </a:fld>
             <a:endParaRPr lang="nl-NL"/>
           </a:p>
@@ -2879,88 +2878,6 @@
 </p:notes>
 </file>
 
-<file path=ppt/notesSlides/notesSlide36.xml><?xml version="1.0" encoding="utf-8"?>
-<p:notes xmlns:a="http://schemas.openxmlformats.org/drawingml/2006/main" xmlns:r="http://schemas.openxmlformats.org/officeDocument/2006/relationships" xmlns:p="http://schemas.openxmlformats.org/presentationml/2006/main">
-  <p:cSld>
-    <p:spTree>
-      <p:nvGrpSpPr>
-        <p:cNvPr id="1" name=""/>
-        <p:cNvGrpSpPr/>
-        <p:nvPr/>
-      </p:nvGrpSpPr>
-      <p:grpSpPr>
-        <a:xfrm>
-          <a:off x="0" y="0"/>
-          <a:ext cx="0" cy="0"/>
-          <a:chOff x="0" y="0"/>
-          <a:chExt cx="0" cy="0"/>
-        </a:xfrm>
-      </p:grpSpPr>
-      <p:sp>
-        <p:nvSpPr>
-          <p:cNvPr id="2" name="Tijdelijke aanduiding voor dia-afbeelding 1"/>
-          <p:cNvSpPr>
-            <a:spLocks noGrp="1" noRot="1" noChangeAspect="1"/>
-          </p:cNvSpPr>
-          <p:nvPr>
-            <p:ph type="sldImg"/>
-          </p:nvPr>
-        </p:nvSpPr>
-        <p:spPr/>
-      </p:sp>
-      <p:sp>
-        <p:nvSpPr>
-          <p:cNvPr id="3" name="Tijdelijke aanduiding voor notities 2"/>
-          <p:cNvSpPr>
-            <a:spLocks noGrp="1"/>
-          </p:cNvSpPr>
-          <p:nvPr>
-            <p:ph type="body" idx="1"/>
-          </p:nvPr>
-        </p:nvSpPr>
-        <p:spPr/>
-        <p:txBody>
-          <a:bodyPr>
-            <a:normAutofit/>
-          </a:bodyPr>
-          <a:lstStyle/>
-          <a:p>
-            <a:endParaRPr lang="nl-NL"/>
-          </a:p>
-        </p:txBody>
-      </p:sp>
-      <p:sp>
-        <p:nvSpPr>
-          <p:cNvPr id="4" name="Tijdelijke aanduiding voor dianummer 3"/>
-          <p:cNvSpPr>
-            <a:spLocks noGrp="1"/>
-          </p:cNvSpPr>
-          <p:nvPr>
-            <p:ph type="sldNum" sz="quarter" idx="10"/>
-          </p:nvPr>
-        </p:nvSpPr>
-        <p:spPr/>
-        <p:txBody>
-          <a:bodyPr/>
-          <a:lstStyle/>
-          <a:p>
-            <a:fld id="{DD9ECD2A-2AC8-46C2-8FC7-36BC96A5D084}" type="slidenum">
-              <a:rPr lang="nl-NL" smtClean="0"/>
-              <a:pPr/>
-              <a:t>37</a:t>
-            </a:fld>
-            <a:endParaRPr lang="nl-NL"/>
-          </a:p>
-        </p:txBody>
-      </p:sp>
-    </p:spTree>
-  </p:cSld>
-  <p:clrMapOvr>
-    <a:masterClrMapping/>
-  </p:clrMapOvr>
-</p:notes>
-</file>
-
 <file path=ppt/notesSlides/notesSlide4.xml><?xml version="1.0" encoding="utf-8"?>
 <p:notes xmlns:a="http://schemas.openxmlformats.org/drawingml/2006/main" xmlns:r="http://schemas.openxmlformats.org/officeDocument/2006/relationships" xmlns:p="http://schemas.openxmlformats.org/presentationml/2006/main">
   <p:cSld>
@@ -3459,7 +3376,7 @@
     <p:bg>
       <p:bgPr>
         <a:solidFill>
-          <a:srgbClr val="FF3300"/>
+          <a:srgbClr val="FF9900"/>
         </a:solidFill>
         <a:effectLst/>
       </p:bgPr>
@@ -5183,7 +5100,7 @@
     <p:bg>
       <p:bgPr>
         <a:solidFill>
-          <a:srgbClr val="00CC66"/>
+          <a:srgbClr val="FF9900"/>
         </a:solidFill>
         <a:effectLst/>
       </p:bgPr>
@@ -5680,32 +5597,6 @@
           </a:p>
         </p:txBody>
       </p:sp>
-      <p:pic>
-        <p:nvPicPr>
-          <p:cNvPr id="8" name="Picture 2" descr="C:\Users\M5810video\Documents\Weekendschool\Pi And More\piandmore-big.png"/>
-          <p:cNvPicPr>
-            <a:picLocks noChangeAspect="1" noChangeArrowheads="1"/>
-          </p:cNvPicPr>
-          <p:nvPr userDrawn="1"/>
-        </p:nvPicPr>
-        <p:blipFill>
-          <a:blip r:embed="rId14" cstate="print"/>
-          <a:srcRect/>
-          <a:stretch>
-            <a:fillRect/>
-          </a:stretch>
-        </p:blipFill>
-        <p:spPr bwMode="auto">
-          <a:xfrm>
-            <a:off x="7089678" y="4682429"/>
-            <a:ext cx="794690" cy="409601"/>
-          </a:xfrm>
-          <a:prstGeom prst="rect">
-            <a:avLst/>
-          </a:prstGeom>
-          <a:noFill/>
-        </p:spPr>
-      </p:pic>
     </p:spTree>
   </p:cSld>
   <p:clrMap bg1="lt1" tx1="dk1" bg2="lt2" tx2="dk2" accent1="accent1" accent2="accent2" accent3="accent3" accent4="accent4" accent5="accent5" accent6="accent6" hlink="hlink" folHlink="folHlink"/>
@@ -6061,10 +5952,6 @@
               <a:rPr lang="nl-NL" b="1" dirty="0" smtClean="0"/>
               <a:t>Expert</a:t>
             </a:r>
-            <a:r>
-              <a:rPr lang="nl-NL" b="1" dirty="0" smtClean="0"/>
-              <a:t/>
-            </a:r>
             <a:br>
               <a:rPr lang="nl-NL" b="1" dirty="0" smtClean="0"/>
             </a:br>
@@ -6161,7 +6048,7 @@
         </p:spPr>
         <p:txBody>
           <a:bodyPr>
-            <a:normAutofit lnSpcReduction="10000"/>
+            <a:normAutofit/>
           </a:bodyPr>
           <a:lstStyle/>
           <a:p>
@@ -6210,23 +6097,77 @@
                   <a:schemeClr val="bg1"/>
                 </a:solidFill>
               </a:rPr>
-              <a:t>Pi And More 10</a:t>
-            </a:r>
-          </a:p>
-          <a:p>
+              <a:t>Workshop for the Pi And More </a:t>
+            </a:r>
+            <a:r>
+              <a:rPr lang="nl-NL" dirty="0" smtClean="0">
+                <a:solidFill>
+                  <a:schemeClr val="bg1"/>
+                </a:solidFill>
+              </a:rPr>
+              <a:t>and Maker Faire </a:t>
+            </a:r>
             <a:r>
               <a:rPr lang="en-US" dirty="0" smtClean="0">
                 <a:solidFill>
                   <a:schemeClr val="bg1"/>
                 </a:solidFill>
               </a:rPr>
-              <a:t>Trier – 24 June 2017 </a:t>
+              <a:t>conferences</a:t>
             </a:r>
             <a:endParaRPr lang="nl-NL" dirty="0">
               <a:solidFill>
                 <a:schemeClr val="bg1"/>
               </a:solidFill>
             </a:endParaRPr>
+          </a:p>
+        </p:txBody>
+      </p:sp>
+      <p:sp>
+        <p:nvSpPr>
+          <p:cNvPr id="5" name="Rechthoek 4"/>
+          <p:cNvSpPr/>
+          <p:nvPr/>
+        </p:nvSpPr>
+        <p:spPr>
+          <a:xfrm rot="1597914">
+            <a:off x="6985382" y="3461231"/>
+            <a:ext cx="2160240" cy="504056"/>
+          </a:xfrm>
+          <a:prstGeom prst="rect">
+            <a:avLst/>
+          </a:prstGeom>
+        </p:spPr>
+        <p:style>
+          <a:lnRef idx="2">
+            <a:schemeClr val="accent1">
+              <a:shade val="50000"/>
+            </a:schemeClr>
+          </a:lnRef>
+          <a:fillRef idx="1">
+            <a:schemeClr val="accent1"/>
+          </a:fillRef>
+          <a:effectRef idx="0">
+            <a:schemeClr val="accent1"/>
+          </a:effectRef>
+          <a:fontRef idx="minor">
+            <a:schemeClr val="lt1"/>
+          </a:fontRef>
+        </p:style>
+        <p:txBody>
+          <a:bodyPr rtlCol="0" anchor="ctr"/>
+          <a:lstStyle/>
+          <a:p>
+            <a:pPr algn="ctr"/>
+            <a:r>
+              <a:rPr lang="en-US" dirty="0" smtClean="0"/>
+              <a:t>Need to be updated </a:t>
+            </a:r>
+            <a:r>
+              <a:rPr lang="en-US" dirty="0" smtClean="0"/>
+              <a:t>in many parts</a:t>
+            </a:r>
+            <a:endParaRPr lang="nl-NL" dirty="0"/>
           </a:p>
         </p:txBody>
       </p:sp>
@@ -7916,7 +7857,11 @@
             <a:pPr algn="ctr"/>
             <a:r>
               <a:rPr lang="en-US" dirty="0" smtClean="0"/>
-              <a:t>Strongly link the </a:t>
+              <a:t>Part 1: Strongly </a:t>
+            </a:r>
+            <a:r>
+              <a:rPr lang="en-US" dirty="0" smtClean="0"/>
+              <a:t>link the </a:t>
             </a:r>
             <a:r>
               <a:rPr lang="en-US" dirty="0" err="1" smtClean="0"/>
@@ -8739,47 +8684,6 @@
       </p:sp>
       <p:sp>
         <p:nvSpPr>
-          <p:cNvPr id="13" name="Tekstvak 12"/>
-          <p:cNvSpPr txBox="1"/>
-          <p:nvPr/>
-        </p:nvSpPr>
-        <p:spPr>
-          <a:xfrm>
-            <a:off x="3203848" y="4443958"/>
-            <a:ext cx="4752528" cy="646331"/>
-          </a:xfrm>
-          <a:prstGeom prst="rect">
-            <a:avLst/>
-          </a:prstGeom>
-          <a:solidFill>
-            <a:srgbClr val="FF3300"/>
-          </a:solidFill>
-        </p:spPr>
-        <p:txBody>
-          <a:bodyPr wrap="square" rtlCol="0">
-            <a:spAutoFit/>
-          </a:bodyPr>
-          <a:lstStyle/>
-          <a:p>
-            <a:pPr algn="ctr"/>
-            <a:r>
-              <a:rPr lang="en-US" dirty="0" smtClean="0">
-                <a:solidFill>
-                  <a:schemeClr val="bg1"/>
-                </a:solidFill>
-              </a:rPr>
-              <a:t>Don’t forget: power off and USB cable out before making changes!</a:t>
-            </a:r>
-            <a:endParaRPr lang="nl-NL" dirty="0">
-              <a:solidFill>
-                <a:schemeClr val="bg1"/>
-              </a:solidFill>
-            </a:endParaRPr>
-          </a:p>
-        </p:txBody>
-      </p:sp>
-      <p:sp>
-        <p:nvSpPr>
           <p:cNvPr id="14" name="PIJL-OMHOOG 13"/>
           <p:cNvSpPr/>
           <p:nvPr/>
@@ -8864,6 +8768,63 @@
           </a:p>
         </p:txBody>
       </p:sp>
+      <p:sp>
+        <p:nvSpPr>
+          <p:cNvPr id="18" name="Tekstvak 17"/>
+          <p:cNvSpPr txBox="1"/>
+          <p:nvPr/>
+        </p:nvSpPr>
+        <p:spPr>
+          <a:xfrm>
+            <a:off x="1691680" y="4774168"/>
+            <a:ext cx="6192688" cy="369332"/>
+          </a:xfrm>
+          <a:prstGeom prst="rect">
+            <a:avLst/>
+          </a:prstGeom>
+          <a:solidFill>
+            <a:srgbClr val="FF3300"/>
+          </a:solidFill>
+        </p:spPr>
+        <p:txBody>
+          <a:bodyPr wrap="square" rtlCol="0">
+            <a:spAutoFit/>
+          </a:bodyPr>
+          <a:lstStyle/>
+          <a:p>
+            <a:pPr algn="ctr"/>
+            <a:r>
+              <a:rPr lang="en-US" dirty="0" smtClean="0">
+                <a:solidFill>
+                  <a:schemeClr val="bg1"/>
+                </a:solidFill>
+              </a:rPr>
+              <a:t>Don’t forget: </a:t>
+            </a:r>
+            <a:r>
+              <a:rPr lang="en-US" dirty="0" smtClean="0">
+                <a:solidFill>
+                  <a:schemeClr val="bg1"/>
+                </a:solidFill>
+              </a:rPr>
+              <a:t>take out USB and 9V cable before making </a:t>
+            </a:r>
+            <a:r>
+              <a:rPr lang="en-US" dirty="0" smtClean="0">
+                <a:solidFill>
+                  <a:schemeClr val="bg1"/>
+                </a:solidFill>
+              </a:rPr>
+              <a:t>changes!</a:t>
+            </a:r>
+            <a:endParaRPr lang="nl-NL" dirty="0">
+              <a:solidFill>
+                <a:schemeClr val="bg1"/>
+              </a:solidFill>
+            </a:endParaRPr>
+          </a:p>
+        </p:txBody>
+      </p:sp>
     </p:spTree>
   </p:cSld>
   <p:clrMapOvr>
@@ -10187,65 +10148,28 @@
       </p:grpSpPr>
       <p:sp>
         <p:nvSpPr>
-          <p:cNvPr id="5" name="Rechthoek 4"/>
-          <p:cNvSpPr/>
-          <p:nvPr/>
+          <p:cNvPr id="5" name="Titel 4"/>
+          <p:cNvSpPr>
+            <a:spLocks noGrp="1"/>
+          </p:cNvSpPr>
+          <p:nvPr>
+            <p:ph type="title"/>
+          </p:nvPr>
         </p:nvSpPr>
         <p:spPr>
           <a:xfrm>
-            <a:off x="395536" y="1131590"/>
-            <a:ext cx="7992888" cy="648072"/>
+            <a:off x="467544" y="1635646"/>
+            <a:ext cx="8229600" cy="2232248"/>
           </a:xfrm>
-          <a:prstGeom prst="rect">
-            <a:avLst/>
-          </a:prstGeom>
-          <a:solidFill>
-            <a:srgbClr val="FFFF00"/>
-          </a:solidFill>
         </p:spPr>
-        <p:style>
-          <a:lnRef idx="2">
-            <a:schemeClr val="accent1">
-              <a:shade val="50000"/>
-            </a:schemeClr>
-          </a:lnRef>
-          <a:fillRef idx="1">
-            <a:schemeClr val="accent1"/>
-          </a:fillRef>
-          <a:effectRef idx="0">
-            <a:schemeClr val="accent1"/>
-          </a:effectRef>
-          <a:fontRef idx="minor">
-            <a:schemeClr val="lt1"/>
-          </a:fontRef>
-        </p:style>
-        <p:txBody>
-          <a:bodyPr rtlCol="0" anchor="ctr"/>
+        <p:txBody>
+          <a:bodyPr/>
           <a:lstStyle/>
           <a:p>
             <a:pPr algn="ctr"/>
-            <a:endParaRPr lang="nl-NL"/>
-          </a:p>
-        </p:txBody>
-      </p:sp>
-      <p:sp>
-        <p:nvSpPr>
-          <p:cNvPr id="2" name="Titel 1"/>
-          <p:cNvSpPr>
-            <a:spLocks noGrp="1"/>
-          </p:cNvSpPr>
-          <p:nvPr>
-            <p:ph type="title"/>
-          </p:nvPr>
-        </p:nvSpPr>
-        <p:spPr/>
-        <p:txBody>
-          <a:bodyPr/>
-          <a:lstStyle/>
-          <a:p>
-            <a:r>
-              <a:rPr lang="en-US" dirty="0" smtClean="0"/>
-              <a:t>More information</a:t>
+            <a:r>
+              <a:rPr lang="en-US" dirty="0" smtClean="0"/>
+              <a:t>End of the Advanced Workshop</a:t>
             </a:r>
             <a:endParaRPr lang="nl-NL" dirty="0"/>
           </a:p>
@@ -10253,152 +10177,20 @@
       </p:sp>
       <p:sp>
         <p:nvSpPr>
-          <p:cNvPr id="3" name="Tijdelijke aanduiding voor inhoud 2"/>
-          <p:cNvSpPr>
-            <a:spLocks noGrp="1"/>
-          </p:cNvSpPr>
-          <p:nvPr>
-            <p:ph idx="1"/>
+          <p:cNvPr id="4" name="Tijdelijke aanduiding voor dianummer 3"/>
+          <p:cNvSpPr>
+            <a:spLocks noGrp="1"/>
+          </p:cNvSpPr>
+          <p:nvPr>
+            <p:ph type="sldNum" sz="quarter" idx="4294967295"/>
           </p:nvPr>
         </p:nvSpPr>
         <p:spPr>
           <a:xfrm>
-            <a:off x="457200" y="1200150"/>
-            <a:ext cx="8229600" cy="3531839"/>
+            <a:off x="8629650" y="4767263"/>
+            <a:ext cx="514350" cy="274637"/>
           </a:xfrm>
         </p:spPr>
-        <p:txBody>
-          <a:bodyPr>
-            <a:normAutofit fontScale="85000" lnSpcReduction="20000"/>
-          </a:bodyPr>
-          <a:lstStyle/>
-          <a:p>
-            <a:r>
-              <a:rPr lang="en-US" dirty="0" smtClean="0"/>
-              <a:t>All workshop material</a:t>
-            </a:r>
-          </a:p>
-          <a:p>
-            <a:pPr lvl="1"/>
-            <a:r>
-              <a:rPr lang="en-US" dirty="0" smtClean="0">
-                <a:hlinkClick r:id="rId3"/>
-              </a:rPr>
-              <a:t>www.github.com</a:t>
-            </a:r>
-            <a:r>
-              <a:rPr lang="en-US" dirty="0" smtClean="0"/>
-              <a:t> and search for </a:t>
-            </a:r>
-            <a:r>
-              <a:rPr lang="en-US" i="1" dirty="0" err="1" smtClean="0"/>
-              <a:t>Weekendschool</a:t>
-            </a:r>
-            <a:r>
-              <a:rPr lang="en-US" dirty="0" smtClean="0"/>
-              <a:t> or for </a:t>
-            </a:r>
-            <a:r>
-              <a:rPr lang="en-US" i="1" dirty="0" err="1" smtClean="0"/>
-              <a:t>PiAndMore</a:t>
-            </a:r>
-            <a:endParaRPr lang="en-US" i="1" dirty="0" smtClean="0"/>
-          </a:p>
-          <a:p>
-            <a:r>
-              <a:rPr lang="en-US" dirty="0" err="1" smtClean="0"/>
-              <a:t>scratchClient</a:t>
-            </a:r>
-            <a:endParaRPr lang="en-US" dirty="0" smtClean="0"/>
-          </a:p>
-          <a:p>
-            <a:pPr lvl="1"/>
-            <a:r>
-              <a:rPr lang="nl-NL" dirty="0" smtClean="0">
-                <a:hlinkClick r:id="rId4"/>
-              </a:rPr>
-              <a:t>http://heppg.de/ikg/wordpress/?page_id=6</a:t>
-            </a:r>
-            <a:endParaRPr lang="nl-NL" dirty="0" smtClean="0"/>
-          </a:p>
-          <a:p>
-            <a:r>
-              <a:rPr lang="en-US" dirty="0" smtClean="0"/>
-              <a:t>Scratch</a:t>
-            </a:r>
-          </a:p>
-          <a:p>
-            <a:pPr lvl="1"/>
-            <a:r>
-              <a:rPr lang="nl-NL" dirty="0" smtClean="0">
-                <a:hlinkClick r:id="rId5"/>
-              </a:rPr>
-              <a:t>https://scratch.mit.edu/</a:t>
-            </a:r>
-            <a:endParaRPr lang="nl-NL" dirty="0" smtClean="0"/>
-          </a:p>
-          <a:p>
-            <a:r>
-              <a:rPr lang="en-US" dirty="0" smtClean="0"/>
-              <a:t>Scratch on Raspberry Pi</a:t>
-            </a:r>
-          </a:p>
-          <a:p>
-            <a:pPr lvl="1"/>
-            <a:r>
-              <a:rPr lang="nl-NL" dirty="0" smtClean="0">
-                <a:hlinkClick r:id="rId6"/>
-              </a:rPr>
-              <a:t>https://www.raspberrypi.org/forums/viewforum.php?f=77</a:t>
-            </a:r>
-            <a:endParaRPr lang="en-US" dirty="0" smtClean="0"/>
-          </a:p>
-          <a:p>
-            <a:r>
-              <a:rPr lang="en-US" dirty="0" smtClean="0"/>
-              <a:t>Raspberry Pi</a:t>
-            </a:r>
-          </a:p>
-          <a:p>
-            <a:pPr lvl="1"/>
-            <a:r>
-              <a:rPr lang="nl-NL" dirty="0" smtClean="0">
-                <a:hlinkClick r:id="rId7"/>
-              </a:rPr>
-              <a:t>https://www.raspberrypi.org/</a:t>
-            </a:r>
-            <a:endParaRPr lang="nl-NL" dirty="0" smtClean="0"/>
-          </a:p>
-          <a:p>
-            <a:r>
-              <a:rPr lang="en-US" dirty="0" err="1" smtClean="0"/>
-              <a:t>Arduino</a:t>
-            </a:r>
-            <a:endParaRPr lang="en-US" dirty="0" smtClean="0"/>
-          </a:p>
-          <a:p>
-            <a:pPr lvl="1"/>
-            <a:r>
-              <a:rPr lang="nl-NL" dirty="0" smtClean="0">
-                <a:hlinkClick r:id="rId8"/>
-              </a:rPr>
-              <a:t>https://www.arduino.cc/</a:t>
-            </a:r>
-            <a:endParaRPr lang="nl-NL" dirty="0" smtClean="0"/>
-          </a:p>
-        </p:txBody>
-      </p:sp>
-      <p:sp>
-        <p:nvSpPr>
-          <p:cNvPr id="4" name="Tijdelijke aanduiding voor dianummer 3"/>
-          <p:cNvSpPr>
-            <a:spLocks noGrp="1"/>
-          </p:cNvSpPr>
-          <p:nvPr>
-            <p:ph type="sldNum" sz="quarter" idx="12"/>
-          </p:nvPr>
-        </p:nvSpPr>
-        <p:spPr/>
         <p:txBody>
           <a:bodyPr/>
           <a:lstStyle/>
@@ -10408,7 +10200,7 @@
               <a:pPr/>
               <a:t>30</a:t>
             </a:fld>
-            <a:endParaRPr lang="nl-NL"/>
+            <a:endParaRPr lang="nl-NL" dirty="0"/>
           </a:p>
         </p:txBody>
       </p:sp>
@@ -10417,13 +10209,6 @@
   <p:clrMapOvr>
     <a:masterClrMapping/>
   </p:clrMapOvr>
-  <p:timing>
-    <p:tnLst>
-      <p:par>
-        <p:cTn id="1" dur="indefinite" restart="never" nodeType="tmRoot"/>
-      </p:par>
-    </p:tnLst>
-  </p:timing>
 </p:sld>
 </file>
 
@@ -10451,15 +10236,10 @@
             <a:spLocks noGrp="1"/>
           </p:cNvSpPr>
           <p:nvPr>
-            <p:ph type="title"/>
-          </p:nvPr>
-        </p:nvSpPr>
-        <p:spPr>
-          <a:xfrm>
-            <a:off x="467544" y="1635646"/>
-            <a:ext cx="8229600" cy="2232248"/>
-          </a:xfrm>
-        </p:spPr>
+            <p:ph type="ctrTitle"/>
+          </p:nvPr>
+        </p:nvSpPr>
+        <p:spPr/>
         <p:txBody>
           <a:bodyPr/>
           <a:lstStyle/>
@@ -10467,7 +10247,7 @@
             <a:pPr algn="ctr"/>
             <a:r>
               <a:rPr lang="en-US" dirty="0" smtClean="0"/>
-              <a:t>End of the Advanced Workshop</a:t>
+              <a:t>Appendix</a:t>
             </a:r>
             <a:endParaRPr lang="nl-NL" dirty="0"/>
           </a:p>
@@ -10529,23 +10309,22 @@
       </p:grpSpPr>
       <p:sp>
         <p:nvSpPr>
-          <p:cNvPr id="5" name="Titel 4"/>
-          <p:cNvSpPr>
-            <a:spLocks noGrp="1"/>
-          </p:cNvSpPr>
-          <p:nvPr>
-            <p:ph type="ctrTitle"/>
-          </p:nvPr>
-        </p:nvSpPr>
-        <p:spPr/>
-        <p:txBody>
-          <a:bodyPr/>
-          <a:lstStyle/>
-          <a:p>
-            <a:pPr algn="ctr"/>
-            <a:r>
-              <a:rPr lang="en-US" dirty="0" smtClean="0"/>
-              <a:t>Appendix</a:t>
+          <p:cNvPr id="2" name="Titel 1"/>
+          <p:cNvSpPr>
+            <a:spLocks noGrp="1"/>
+          </p:cNvSpPr>
+          <p:nvPr>
+            <p:ph type="title"/>
+          </p:nvPr>
+        </p:nvSpPr>
+        <p:spPr/>
+        <p:txBody>
+          <a:bodyPr/>
+          <a:lstStyle/>
+          <a:p>
+            <a:r>
+              <a:rPr lang="en-US" dirty="0" smtClean="0"/>
+              <a:t>Maximum current per pin</a:t>
             </a:r>
             <a:endParaRPr lang="nl-NL" dirty="0"/>
           </a:p>
@@ -10553,20 +10332,55 @@
       </p:sp>
       <p:sp>
         <p:nvSpPr>
+          <p:cNvPr id="3" name="Tijdelijke aanduiding voor inhoud 2"/>
+          <p:cNvSpPr>
+            <a:spLocks noGrp="1"/>
+          </p:cNvSpPr>
+          <p:nvPr>
+            <p:ph idx="1"/>
+          </p:nvPr>
+        </p:nvSpPr>
+        <p:spPr/>
+        <p:txBody>
+          <a:bodyPr/>
+          <a:lstStyle/>
+          <a:p>
+            <a:r>
+              <a:rPr lang="en-US" dirty="0" smtClean="0"/>
+              <a:t>Max output current per pin = 20 </a:t>
+            </a:r>
+            <a:r>
+              <a:rPr lang="en-US" dirty="0" err="1" smtClean="0"/>
+              <a:t>mA</a:t>
+            </a:r>
+            <a:endParaRPr lang="en-US" dirty="0" smtClean="0"/>
+          </a:p>
+          <a:p>
+            <a:r>
+              <a:rPr lang="en-US" dirty="0" smtClean="0"/>
+              <a:t>Total current for the board: 1 A</a:t>
+            </a:r>
+          </a:p>
+          <a:p>
+            <a:r>
+              <a:rPr lang="en-US" dirty="0" smtClean="0"/>
+              <a:t>Note that also the potentiometer and the joystick take power</a:t>
+            </a:r>
+            <a:endParaRPr lang="nl-NL" dirty="0"/>
+          </a:p>
+        </p:txBody>
+      </p:sp>
+      <p:sp>
+        <p:nvSpPr>
           <p:cNvPr id="4" name="Tijdelijke aanduiding voor dianummer 3"/>
           <p:cNvSpPr>
             <a:spLocks noGrp="1"/>
           </p:cNvSpPr>
           <p:nvPr>
-            <p:ph type="sldNum" sz="quarter" idx="4294967295"/>
-          </p:nvPr>
-        </p:nvSpPr>
-        <p:spPr>
-          <a:xfrm>
-            <a:off x="8629650" y="4767263"/>
-            <a:ext cx="514350" cy="274637"/>
-          </a:xfrm>
-        </p:spPr>
+            <p:ph type="sldNum" sz="quarter" idx="12"/>
+          </p:nvPr>
+        </p:nvSpPr>
+        <p:spPr/>
         <p:txBody>
           <a:bodyPr/>
           <a:lstStyle/>
@@ -10622,7 +10436,7 @@
           <a:p>
             <a:r>
               <a:rPr lang="en-US" dirty="0" smtClean="0"/>
-              <a:t>Maximum current per pin</a:t>
+              <a:t>Calculation of the resistors</a:t>
             </a:r>
             <a:endParaRPr lang="nl-NL" dirty="0"/>
           </a:p>
@@ -10643,27 +10457,6 @@
           <a:bodyPr/>
           <a:lstStyle/>
           <a:p>
-            <a:r>
-              <a:rPr lang="en-US" dirty="0" smtClean="0"/>
-              <a:t>Max output current per pin = 20 </a:t>
-            </a:r>
-            <a:r>
-              <a:rPr lang="en-US" dirty="0" err="1" smtClean="0"/>
-              <a:t>mA</a:t>
-            </a:r>
-            <a:endParaRPr lang="en-US" dirty="0" smtClean="0"/>
-          </a:p>
-          <a:p>
-            <a:r>
-              <a:rPr lang="en-US" dirty="0" smtClean="0"/>
-              <a:t>Total current for the board: 1 A</a:t>
-            </a:r>
-          </a:p>
-          <a:p>
-            <a:r>
-              <a:rPr lang="en-US" dirty="0" smtClean="0"/>
-              <a:t>Note that also the potentiometer and the joystick take power</a:t>
-            </a:r>
             <a:endParaRPr lang="nl-NL" dirty="0"/>
           </a:p>
         </p:txBody>
@@ -10689,6 +10482,46 @@
               <a:t>33</a:t>
             </a:fld>
             <a:endParaRPr lang="nl-NL" dirty="0"/>
+          </a:p>
+        </p:txBody>
+      </p:sp>
+      <p:sp>
+        <p:nvSpPr>
+          <p:cNvPr id="5" name="Gelijkbenige driehoek 4"/>
+          <p:cNvSpPr/>
+          <p:nvPr/>
+        </p:nvSpPr>
+        <p:spPr>
+          <a:xfrm>
+            <a:off x="7020272" y="1059582"/>
+            <a:ext cx="2016224" cy="1728192"/>
+          </a:xfrm>
+          <a:prstGeom prst="triangle">
+            <a:avLst/>
+          </a:prstGeom>
+        </p:spPr>
+        <p:style>
+          <a:lnRef idx="2">
+            <a:schemeClr val="accent1">
+              <a:shade val="50000"/>
+            </a:schemeClr>
+          </a:lnRef>
+          <a:fillRef idx="1">
+            <a:schemeClr val="accent1"/>
+          </a:fillRef>
+          <a:effectRef idx="0">
+            <a:schemeClr val="accent1"/>
+          </a:effectRef>
+          <a:fontRef idx="minor">
+            <a:schemeClr val="lt1"/>
+          </a:fontRef>
+        </p:style>
+        <p:txBody>
+          <a:bodyPr rtlCol="0" anchor="ctr"/>
+          <a:lstStyle/>
+          <a:p>
+            <a:pPr algn="ctr"/>
+            <a:endParaRPr lang="nl-NL"/>
           </a:p>
         </p:txBody>
       </p:sp>
@@ -10734,7 +10567,7 @@
           <a:p>
             <a:r>
               <a:rPr lang="en-US" dirty="0" smtClean="0"/>
-              <a:t>Calculation of the resistors</a:t>
+              <a:t>Cost of the setup (1 of 2)</a:t>
             </a:r>
             <a:endParaRPr lang="nl-NL" dirty="0"/>
           </a:p>
@@ -10752,9 +10585,82 @@
         </p:nvSpPr>
         <p:spPr/>
         <p:txBody>
-          <a:bodyPr/>
-          <a:lstStyle/>
-          <a:p>
+          <a:bodyPr>
+            <a:normAutofit fontScale="92500" lnSpcReduction="10000"/>
+          </a:bodyPr>
+          <a:lstStyle/>
+          <a:p>
+            <a:r>
+              <a:rPr lang="en-US" dirty="0" smtClean="0"/>
+              <a:t>This is a list of the cost of the setup of the external board.</a:t>
+            </a:r>
+          </a:p>
+          <a:p>
+            <a:r>
+              <a:rPr lang="en-US" dirty="0" smtClean="0"/>
+              <a:t>Not included is the cost of the </a:t>
+            </a:r>
+            <a:r>
+              <a:rPr lang="en-US" dirty="0" err="1" smtClean="0"/>
+              <a:t>perspex</a:t>
+            </a:r>
+            <a:r>
+              <a:rPr lang="en-US" dirty="0" smtClean="0"/>
+              <a:t> board and the nuts and bolts, which are not an absolute minimum requirement</a:t>
+            </a:r>
+          </a:p>
+          <a:p>
+            <a:pPr lvl="1"/>
+            <a:r>
+              <a:rPr lang="en-US" dirty="0" smtClean="0"/>
+              <a:t>And for which there are alternatives, e.g. use cardboard or an MDF board</a:t>
+            </a:r>
+          </a:p>
+          <a:p>
+            <a:r>
+              <a:rPr lang="en-US" dirty="0" smtClean="0"/>
+              <a:t>All material comes from </a:t>
+            </a:r>
+            <a:r>
+              <a:rPr lang="en-US" dirty="0" err="1" smtClean="0"/>
+              <a:t>Aliexpress</a:t>
+            </a:r>
+            <a:endParaRPr lang="en-US" dirty="0" smtClean="0"/>
+          </a:p>
+          <a:p>
+            <a:pPr lvl="1"/>
+            <a:r>
+              <a:rPr lang="en-US" dirty="0" smtClean="0"/>
+              <a:t>Very cheap</a:t>
+            </a:r>
+          </a:p>
+          <a:p>
+            <a:pPr lvl="1"/>
+            <a:r>
+              <a:rPr lang="en-US" dirty="0" smtClean="0"/>
+              <a:t>Often no shipping costs to Europe</a:t>
+            </a:r>
+          </a:p>
+          <a:p>
+            <a:pPr lvl="1"/>
+            <a:r>
+              <a:rPr lang="en-US" dirty="0" smtClean="0"/>
+              <a:t>Takes between 2 weeks and 2 months</a:t>
+            </a:r>
+          </a:p>
+          <a:p>
+            <a:pPr lvl="2"/>
+            <a:r>
+              <a:rPr lang="en-US" dirty="0" smtClean="0"/>
+              <a:t>Or never arrives, but then money is promptly returned.</a:t>
+            </a:r>
+          </a:p>
+          <a:p>
+            <a:pPr lvl="1"/>
+            <a:r>
+              <a:rPr lang="en-US" dirty="0" smtClean="0"/>
+              <a:t>When ordering below 22 euro, no import duties and handling costs</a:t>
+            </a:r>
             <a:endParaRPr lang="nl-NL" dirty="0"/>
           </a:p>
         </p:txBody>
@@ -10778,6 +10684,97 @@
               <a:rPr lang="nl-NL" smtClean="0"/>
               <a:pPr/>
               <a:t>34</a:t>
+            </a:fld>
+            <a:endParaRPr lang="nl-NL" dirty="0"/>
+          </a:p>
+        </p:txBody>
+      </p:sp>
+    </p:spTree>
+  </p:cSld>
+  <p:clrMapOvr>
+    <a:masterClrMapping/>
+  </p:clrMapOvr>
+</p:sld>
+</file>
+
+<file path=ppt/slides/slide35.xml><?xml version="1.0" encoding="utf-8"?>
+<p:sld xmlns:a="http://schemas.openxmlformats.org/drawingml/2006/main" xmlns:r="http://schemas.openxmlformats.org/officeDocument/2006/relationships" xmlns:p="http://schemas.openxmlformats.org/presentationml/2006/main">
+  <p:cSld>
+    <p:spTree>
+      <p:nvGrpSpPr>
+        <p:cNvPr id="1" name=""/>
+        <p:cNvGrpSpPr/>
+        <p:nvPr/>
+      </p:nvGrpSpPr>
+      <p:grpSpPr>
+        <a:xfrm>
+          <a:off x="0" y="0"/>
+          <a:ext cx="0" cy="0"/>
+          <a:chOff x="0" y="0"/>
+          <a:chExt cx="0" cy="0"/>
+        </a:xfrm>
+      </p:grpSpPr>
+      <p:sp>
+        <p:nvSpPr>
+          <p:cNvPr id="2" name="Titel 1"/>
+          <p:cNvSpPr>
+            <a:spLocks noGrp="1"/>
+          </p:cNvSpPr>
+          <p:nvPr>
+            <p:ph type="title"/>
+          </p:nvPr>
+        </p:nvSpPr>
+        <p:spPr/>
+        <p:txBody>
+          <a:bodyPr/>
+          <a:lstStyle/>
+          <a:p>
+            <a:r>
+              <a:rPr lang="en-US" dirty="0" smtClean="0"/>
+              <a:t>Cost of the setup (2 of 2)</a:t>
+            </a:r>
+            <a:endParaRPr lang="nl-NL" dirty="0"/>
+          </a:p>
+        </p:txBody>
+      </p:sp>
+      <p:sp>
+        <p:nvSpPr>
+          <p:cNvPr id="3" name="Tijdelijke aanduiding voor inhoud 2"/>
+          <p:cNvSpPr>
+            <a:spLocks noGrp="1"/>
+          </p:cNvSpPr>
+          <p:nvPr>
+            <p:ph idx="1"/>
+          </p:nvPr>
+        </p:nvSpPr>
+        <p:spPr/>
+        <p:txBody>
+          <a:bodyPr/>
+          <a:lstStyle/>
+          <a:p>
+            <a:endParaRPr lang="nl-NL"/>
+          </a:p>
+        </p:txBody>
+      </p:sp>
+      <p:sp>
+        <p:nvSpPr>
+          <p:cNvPr id="4" name="Tijdelijke aanduiding voor dianummer 3"/>
+          <p:cNvSpPr>
+            <a:spLocks noGrp="1"/>
+          </p:cNvSpPr>
+          <p:nvPr>
+            <p:ph type="sldNum" sz="quarter" idx="12"/>
+          </p:nvPr>
+        </p:nvSpPr>
+        <p:spPr/>
+        <p:txBody>
+          <a:bodyPr/>
+          <a:lstStyle/>
+          <a:p>
+            <a:fld id="{6802DAD7-DC19-4A9E-93C3-E71314786426}" type="slidenum">
+              <a:rPr lang="nl-NL" smtClean="0"/>
+              <a:pPr/>
+              <a:t>35</a:t>
             </a:fld>
             <a:endParaRPr lang="nl-NL" dirty="0"/>
           </a:p>
@@ -10831,170 +10828,6 @@
 </p:sld>
 </file>
 
-<file path=ppt/slides/slide35.xml><?xml version="1.0" encoding="utf-8"?>
-<p:sld xmlns:a="http://schemas.openxmlformats.org/drawingml/2006/main" xmlns:r="http://schemas.openxmlformats.org/officeDocument/2006/relationships" xmlns:p="http://schemas.openxmlformats.org/presentationml/2006/main">
-  <p:cSld>
-    <p:spTree>
-      <p:nvGrpSpPr>
-        <p:cNvPr id="1" name=""/>
-        <p:cNvGrpSpPr/>
-        <p:nvPr/>
-      </p:nvGrpSpPr>
-      <p:grpSpPr>
-        <a:xfrm>
-          <a:off x="0" y="0"/>
-          <a:ext cx="0" cy="0"/>
-          <a:chOff x="0" y="0"/>
-          <a:chExt cx="0" cy="0"/>
-        </a:xfrm>
-      </p:grpSpPr>
-      <p:sp>
-        <p:nvSpPr>
-          <p:cNvPr id="2" name="Titel 1"/>
-          <p:cNvSpPr>
-            <a:spLocks noGrp="1"/>
-          </p:cNvSpPr>
-          <p:nvPr>
-            <p:ph type="title"/>
-          </p:nvPr>
-        </p:nvSpPr>
-        <p:spPr/>
-        <p:txBody>
-          <a:bodyPr/>
-          <a:lstStyle/>
-          <a:p>
-            <a:r>
-              <a:rPr lang="en-US" dirty="0" smtClean="0"/>
-              <a:t>Cost of the setup (1 of 2)</a:t>
-            </a:r>
-            <a:endParaRPr lang="nl-NL" dirty="0"/>
-          </a:p>
-        </p:txBody>
-      </p:sp>
-      <p:sp>
-        <p:nvSpPr>
-          <p:cNvPr id="3" name="Tijdelijke aanduiding voor inhoud 2"/>
-          <p:cNvSpPr>
-            <a:spLocks noGrp="1"/>
-          </p:cNvSpPr>
-          <p:nvPr>
-            <p:ph idx="1"/>
-          </p:nvPr>
-        </p:nvSpPr>
-        <p:spPr/>
-        <p:txBody>
-          <a:bodyPr>
-            <a:normAutofit fontScale="92500" lnSpcReduction="10000"/>
-          </a:bodyPr>
-          <a:lstStyle/>
-          <a:p>
-            <a:r>
-              <a:rPr lang="en-US" dirty="0" smtClean="0"/>
-              <a:t>This is a list of the cost of the setup of the external board.</a:t>
-            </a:r>
-          </a:p>
-          <a:p>
-            <a:r>
-              <a:rPr lang="en-US" dirty="0" smtClean="0"/>
-              <a:t>Not included is the cost of the </a:t>
-            </a:r>
-            <a:r>
-              <a:rPr lang="en-US" dirty="0" err="1" smtClean="0"/>
-              <a:t>perspex</a:t>
-            </a:r>
-            <a:r>
-              <a:rPr lang="en-US" dirty="0" smtClean="0"/>
-              <a:t> board and the nuts and bolts, which are not an absolute minimum requirement</a:t>
-            </a:r>
-          </a:p>
-          <a:p>
-            <a:pPr lvl="1"/>
-            <a:r>
-              <a:rPr lang="en-US" dirty="0" smtClean="0"/>
-              <a:t>And for which there are alternatives, e.g. use cardboard or an MDF board</a:t>
-            </a:r>
-          </a:p>
-          <a:p>
-            <a:r>
-              <a:rPr lang="en-US" dirty="0" smtClean="0"/>
-              <a:t>All material comes from </a:t>
-            </a:r>
-            <a:r>
-              <a:rPr lang="en-US" dirty="0" err="1" smtClean="0"/>
-              <a:t>Aliexpress</a:t>
-            </a:r>
-            <a:endParaRPr lang="en-US" dirty="0" smtClean="0"/>
-          </a:p>
-          <a:p>
-            <a:pPr lvl="1"/>
-            <a:r>
-              <a:rPr lang="en-US" dirty="0" smtClean="0"/>
-              <a:t>Very cheap</a:t>
-            </a:r>
-          </a:p>
-          <a:p>
-            <a:pPr lvl="1"/>
-            <a:r>
-              <a:rPr lang="en-US" dirty="0" smtClean="0"/>
-              <a:t>Often no shipping costs to Europe</a:t>
-            </a:r>
-          </a:p>
-          <a:p>
-            <a:pPr lvl="1"/>
-            <a:r>
-              <a:rPr lang="en-US" dirty="0" smtClean="0"/>
-              <a:t>Takes between 2 weeks and 2 months</a:t>
-            </a:r>
-          </a:p>
-          <a:p>
-            <a:pPr lvl="2"/>
-            <a:r>
-              <a:rPr lang="en-US" dirty="0" smtClean="0"/>
-              <a:t>Or never arrives, but then money is promptly returned.</a:t>
-            </a:r>
-          </a:p>
-          <a:p>
-            <a:pPr lvl="1"/>
-            <a:r>
-              <a:rPr lang="en-US" dirty="0" smtClean="0"/>
-              <a:t>When ordering below 22 euro, no import duties and handling costs</a:t>
-            </a:r>
-            <a:endParaRPr lang="nl-NL" dirty="0"/>
-          </a:p>
-        </p:txBody>
-      </p:sp>
-      <p:sp>
-        <p:nvSpPr>
-          <p:cNvPr id="4" name="Tijdelijke aanduiding voor dianummer 3"/>
-          <p:cNvSpPr>
-            <a:spLocks noGrp="1"/>
-          </p:cNvSpPr>
-          <p:nvPr>
-            <p:ph type="sldNum" sz="quarter" idx="12"/>
-          </p:nvPr>
-        </p:nvSpPr>
-        <p:spPr/>
-        <p:txBody>
-          <a:bodyPr/>
-          <a:lstStyle/>
-          <a:p>
-            <a:fld id="{6802DAD7-DC19-4A9E-93C3-E71314786426}" type="slidenum">
-              <a:rPr lang="nl-NL" smtClean="0"/>
-              <a:pPr/>
-              <a:t>35</a:t>
-            </a:fld>
-            <a:endParaRPr lang="nl-NL" dirty="0"/>
-          </a:p>
-        </p:txBody>
-      </p:sp>
-    </p:spTree>
-  </p:cSld>
-  <p:clrMapOvr>
-    <a:masterClrMapping/>
-  </p:clrMapOvr>
-</p:sld>
-</file>
-
 <file path=ppt/slides/slide36.xml><?xml version="1.0" encoding="utf-8"?>
 <p:sld xmlns:a="http://schemas.openxmlformats.org/drawingml/2006/main" xmlns:r="http://schemas.openxmlformats.org/officeDocument/2006/relationships" xmlns:p="http://schemas.openxmlformats.org/presentationml/2006/main">
   <p:cSld>
@@ -11014,137 +10847,6 @@
       </p:grpSpPr>
       <p:sp>
         <p:nvSpPr>
-          <p:cNvPr id="2" name="Titel 1"/>
-          <p:cNvSpPr>
-            <a:spLocks noGrp="1"/>
-          </p:cNvSpPr>
-          <p:nvPr>
-            <p:ph type="title"/>
-          </p:nvPr>
-        </p:nvSpPr>
-        <p:spPr/>
-        <p:txBody>
-          <a:bodyPr/>
-          <a:lstStyle/>
-          <a:p>
-            <a:r>
-              <a:rPr lang="en-US" dirty="0" smtClean="0"/>
-              <a:t>Cost of the setup (2 of 2)</a:t>
-            </a:r>
-            <a:endParaRPr lang="nl-NL" dirty="0"/>
-          </a:p>
-        </p:txBody>
-      </p:sp>
-      <p:sp>
-        <p:nvSpPr>
-          <p:cNvPr id="3" name="Tijdelijke aanduiding voor inhoud 2"/>
-          <p:cNvSpPr>
-            <a:spLocks noGrp="1"/>
-          </p:cNvSpPr>
-          <p:nvPr>
-            <p:ph idx="1"/>
-          </p:nvPr>
-        </p:nvSpPr>
-        <p:spPr/>
-        <p:txBody>
-          <a:bodyPr/>
-          <a:lstStyle/>
-          <a:p>
-            <a:endParaRPr lang="nl-NL"/>
-          </a:p>
-        </p:txBody>
-      </p:sp>
-      <p:sp>
-        <p:nvSpPr>
-          <p:cNvPr id="4" name="Tijdelijke aanduiding voor dianummer 3"/>
-          <p:cNvSpPr>
-            <a:spLocks noGrp="1"/>
-          </p:cNvSpPr>
-          <p:nvPr>
-            <p:ph type="sldNum" sz="quarter" idx="12"/>
-          </p:nvPr>
-        </p:nvSpPr>
-        <p:spPr/>
-        <p:txBody>
-          <a:bodyPr/>
-          <a:lstStyle/>
-          <a:p>
-            <a:fld id="{6802DAD7-DC19-4A9E-93C3-E71314786426}" type="slidenum">
-              <a:rPr lang="nl-NL" smtClean="0"/>
-              <a:pPr/>
-              <a:t>36</a:t>
-            </a:fld>
-            <a:endParaRPr lang="nl-NL" dirty="0"/>
-          </a:p>
-        </p:txBody>
-      </p:sp>
-      <p:sp>
-        <p:nvSpPr>
-          <p:cNvPr id="5" name="Gelijkbenige driehoek 4"/>
-          <p:cNvSpPr/>
-          <p:nvPr/>
-        </p:nvSpPr>
-        <p:spPr>
-          <a:xfrm>
-            <a:off x="7020272" y="1059582"/>
-            <a:ext cx="2016224" cy="1728192"/>
-          </a:xfrm>
-          <a:prstGeom prst="triangle">
-            <a:avLst/>
-          </a:prstGeom>
-        </p:spPr>
-        <p:style>
-          <a:lnRef idx="2">
-            <a:schemeClr val="accent1">
-              <a:shade val="50000"/>
-            </a:schemeClr>
-          </a:lnRef>
-          <a:fillRef idx="1">
-            <a:schemeClr val="accent1"/>
-          </a:fillRef>
-          <a:effectRef idx="0">
-            <a:schemeClr val="accent1"/>
-          </a:effectRef>
-          <a:fontRef idx="minor">
-            <a:schemeClr val="lt1"/>
-          </a:fontRef>
-        </p:style>
-        <p:txBody>
-          <a:bodyPr rtlCol="0" anchor="ctr"/>
-          <a:lstStyle/>
-          <a:p>
-            <a:pPr algn="ctr"/>
-            <a:endParaRPr lang="nl-NL"/>
-          </a:p>
-        </p:txBody>
-      </p:sp>
-    </p:spTree>
-  </p:cSld>
-  <p:clrMapOvr>
-    <a:masterClrMapping/>
-  </p:clrMapOvr>
-</p:sld>
-</file>
-
-<file path=ppt/slides/slide37.xml><?xml version="1.0" encoding="utf-8"?>
-<p:sld xmlns:a="http://schemas.openxmlformats.org/drawingml/2006/main" xmlns:r="http://schemas.openxmlformats.org/officeDocument/2006/relationships" xmlns:p="http://schemas.openxmlformats.org/presentationml/2006/main">
-  <p:cSld>
-    <p:spTree>
-      <p:nvGrpSpPr>
-        <p:cNvPr id="1" name=""/>
-        <p:cNvGrpSpPr/>
-        <p:nvPr/>
-      </p:nvGrpSpPr>
-      <p:grpSpPr>
-        <a:xfrm>
-          <a:off x="0" y="0"/>
-          <a:ext cx="0" cy="0"/>
-          <a:chOff x="0" y="0"/>
-          <a:chExt cx="0" cy="0"/>
-        </a:xfrm>
-      </p:grpSpPr>
-      <p:sp>
-        <p:nvSpPr>
           <p:cNvPr id="5" name="Titel 4"/>
           <p:cNvSpPr>
             <a:spLocks noGrp="1"/>
@@ -11190,7 +10892,7 @@
             <a:fld id="{6802DAD7-DC19-4A9E-93C3-E71314786426}" type="slidenum">
               <a:rPr lang="nl-NL" smtClean="0"/>
               <a:pPr/>
-              <a:t>37</a:t>
+              <a:t>36</a:t>
             </a:fld>
             <a:endParaRPr lang="nl-NL" dirty="0"/>
           </a:p>
@@ -11804,13 +11506,19 @@
         </p:nvSpPr>
         <p:spPr/>
         <p:txBody>
-          <a:bodyPr/>
+          <a:bodyPr>
+            <a:normAutofit fontScale="90000"/>
+          </a:bodyPr>
           <a:lstStyle/>
           <a:p>
             <a:pPr algn="ctr"/>
             <a:r>
               <a:rPr lang="en-US" dirty="0" smtClean="0"/>
-              <a:t>Controlling multiple </a:t>
+              <a:t>Part 2: Controlling </a:t>
+            </a:r>
+            <a:r>
+              <a:rPr lang="en-US" dirty="0" smtClean="0"/>
+              <a:t>multiple </a:t>
             </a:r>
             <a:r>
               <a:rPr lang="en-US" dirty="0" err="1" smtClean="0"/>
